--- a/rts.pptx
+++ b/rts.pptx
@@ -5,7 +5,7 @@
     <p:sldMasterId id="2147483648" r:id="rId1"/>
   </p:sldMasterIdLst>
   <p:sldIdLst>
-    <p:sldId id="257" r:id="rId2"/>
+    <p:sldId id="258" r:id="rId2"/>
     <p:sldId id="256" r:id="rId3"/>
   </p:sldIdLst>
   <p:sldSz cx="12192000" cy="6858000"/>
@@ -244,7 +244,7 @@
           <a:p>
             <a:fld id="{A45B28EE-4C45-48EE-AABA-D1C25175123E}" type="datetimeFigureOut">
               <a:rPr lang="ko-KR" altLang="en-US" smtClean="0"/>
-              <a:t>2023-07-17</a:t>
+              <a:t>2023-09-05</a:t>
             </a:fld>
             <a:endParaRPr lang="ko-KR" altLang="en-US"/>
           </a:p>
@@ -414,7 +414,7 @@
           <a:p>
             <a:fld id="{A45B28EE-4C45-48EE-AABA-D1C25175123E}" type="datetimeFigureOut">
               <a:rPr lang="ko-KR" altLang="en-US" smtClean="0"/>
-              <a:t>2023-07-17</a:t>
+              <a:t>2023-09-05</a:t>
             </a:fld>
             <a:endParaRPr lang="ko-KR" altLang="en-US"/>
           </a:p>
@@ -594,7 +594,7 @@
           <a:p>
             <a:fld id="{A45B28EE-4C45-48EE-AABA-D1C25175123E}" type="datetimeFigureOut">
               <a:rPr lang="ko-KR" altLang="en-US" smtClean="0"/>
-              <a:t>2023-07-17</a:t>
+              <a:t>2023-09-05</a:t>
             </a:fld>
             <a:endParaRPr lang="ko-KR" altLang="en-US"/>
           </a:p>
@@ -764,7 +764,7 @@
           <a:p>
             <a:fld id="{A45B28EE-4C45-48EE-AABA-D1C25175123E}" type="datetimeFigureOut">
               <a:rPr lang="ko-KR" altLang="en-US" smtClean="0"/>
-              <a:t>2023-07-17</a:t>
+              <a:t>2023-09-05</a:t>
             </a:fld>
             <a:endParaRPr lang="ko-KR" altLang="en-US"/>
           </a:p>
@@ -1010,7 +1010,7 @@
           <a:p>
             <a:fld id="{A45B28EE-4C45-48EE-AABA-D1C25175123E}" type="datetimeFigureOut">
               <a:rPr lang="ko-KR" altLang="en-US" smtClean="0"/>
-              <a:t>2023-07-17</a:t>
+              <a:t>2023-09-05</a:t>
             </a:fld>
             <a:endParaRPr lang="ko-KR" altLang="en-US"/>
           </a:p>
@@ -1242,7 +1242,7 @@
           <a:p>
             <a:fld id="{A45B28EE-4C45-48EE-AABA-D1C25175123E}" type="datetimeFigureOut">
               <a:rPr lang="ko-KR" altLang="en-US" smtClean="0"/>
-              <a:t>2023-07-17</a:t>
+              <a:t>2023-09-05</a:t>
             </a:fld>
             <a:endParaRPr lang="ko-KR" altLang="en-US"/>
           </a:p>
@@ -1609,7 +1609,7 @@
           <a:p>
             <a:fld id="{A45B28EE-4C45-48EE-AABA-D1C25175123E}" type="datetimeFigureOut">
               <a:rPr lang="ko-KR" altLang="en-US" smtClean="0"/>
-              <a:t>2023-07-17</a:t>
+              <a:t>2023-09-05</a:t>
             </a:fld>
             <a:endParaRPr lang="ko-KR" altLang="en-US"/>
           </a:p>
@@ -1727,7 +1727,7 @@
           <a:p>
             <a:fld id="{A45B28EE-4C45-48EE-AABA-D1C25175123E}" type="datetimeFigureOut">
               <a:rPr lang="ko-KR" altLang="en-US" smtClean="0"/>
-              <a:t>2023-07-17</a:t>
+              <a:t>2023-09-05</a:t>
             </a:fld>
             <a:endParaRPr lang="ko-KR" altLang="en-US"/>
           </a:p>
@@ -1822,7 +1822,7 @@
           <a:p>
             <a:fld id="{A45B28EE-4C45-48EE-AABA-D1C25175123E}" type="datetimeFigureOut">
               <a:rPr lang="ko-KR" altLang="en-US" smtClean="0"/>
-              <a:t>2023-07-17</a:t>
+              <a:t>2023-09-05</a:t>
             </a:fld>
             <a:endParaRPr lang="ko-KR" altLang="en-US"/>
           </a:p>
@@ -2099,7 +2099,7 @@
           <a:p>
             <a:fld id="{A45B28EE-4C45-48EE-AABA-D1C25175123E}" type="datetimeFigureOut">
               <a:rPr lang="ko-KR" altLang="en-US" smtClean="0"/>
-              <a:t>2023-07-17</a:t>
+              <a:t>2023-09-05</a:t>
             </a:fld>
             <a:endParaRPr lang="ko-KR" altLang="en-US"/>
           </a:p>
@@ -2352,7 +2352,7 @@
           <a:p>
             <a:fld id="{A45B28EE-4C45-48EE-AABA-D1C25175123E}" type="datetimeFigureOut">
               <a:rPr lang="ko-KR" altLang="en-US" smtClean="0"/>
-              <a:t>2023-07-17</a:t>
+              <a:t>2023-09-05</a:t>
             </a:fld>
             <a:endParaRPr lang="ko-KR" altLang="en-US"/>
           </a:p>
@@ -2565,7 +2565,7 @@
           <a:p>
             <a:fld id="{A45B28EE-4C45-48EE-AABA-D1C25175123E}" type="datetimeFigureOut">
               <a:rPr lang="ko-KR" altLang="en-US" smtClean="0"/>
-              <a:t>2023-07-17</a:t>
+              <a:t>2023-09-05</a:t>
             </a:fld>
             <a:endParaRPr lang="ko-KR" altLang="en-US"/>
           </a:p>
@@ -2978,8 +2978,8 @@
         </p:nvSpPr>
         <p:spPr>
           <a:xfrm>
-            <a:off x="917971" y="1403797"/>
-            <a:ext cx="7464029" cy="4050406"/>
+            <a:off x="890232" y="1809213"/>
+            <a:ext cx="7429087" cy="3941983"/>
           </a:xfrm>
           <a:prstGeom prst="flowChartProcess">
             <a:avLst/>
@@ -3029,8 +3029,8 @@
         </p:nvCxnSpPr>
         <p:spPr>
           <a:xfrm>
-            <a:off x="8093493" y="2722644"/>
-            <a:ext cx="1449930" cy="1977"/>
+            <a:off x="8032163" y="3092757"/>
+            <a:ext cx="1443142" cy="1924"/>
           </a:xfrm>
           <a:prstGeom prst="straightConnector1">
             <a:avLst/>
@@ -3070,8 +3070,8 @@
         </p:nvCxnSpPr>
         <p:spPr>
           <a:xfrm flipH="1">
-            <a:off x="5519159" y="3522164"/>
-            <a:ext cx="1" cy="2197018"/>
+            <a:off x="5469880" y="3870875"/>
+            <a:ext cx="1" cy="2138208"/>
           </a:xfrm>
           <a:prstGeom prst="straightConnector1">
             <a:avLst/>
@@ -3109,8 +3109,8 @@
         </p:nvCxnSpPr>
         <p:spPr>
           <a:xfrm flipV="1">
-            <a:off x="6298558" y="4778946"/>
-            <a:ext cx="880802" cy="1290756"/>
+            <a:off x="6245630" y="5094015"/>
+            <a:ext cx="876679" cy="1256204"/>
           </a:xfrm>
           <a:prstGeom prst="bentConnector2">
             <a:avLst/>
@@ -3148,8 +3148,8 @@
         </p:nvCxnSpPr>
         <p:spPr>
           <a:xfrm flipH="1">
-            <a:off x="8093493" y="4385273"/>
-            <a:ext cx="1449930" cy="6142"/>
+            <a:off x="8032163" y="4710881"/>
+            <a:ext cx="1443142" cy="5977"/>
           </a:xfrm>
           <a:prstGeom prst="straightConnector1">
             <a:avLst/>
@@ -3186,8 +3186,8 @@
         </p:nvSpPr>
         <p:spPr>
           <a:xfrm>
-            <a:off x="1160780" y="4105284"/>
-            <a:ext cx="3014436" cy="825640"/>
+            <a:off x="1131904" y="4438386"/>
+            <a:ext cx="3000325" cy="803539"/>
           </a:xfrm>
           <a:prstGeom prst="flowChartProcess">
             <a:avLst/>
@@ -3235,8 +3235,8 @@
         </p:nvSpPr>
         <p:spPr>
           <a:xfrm>
-            <a:off x="2950270" y="1927078"/>
-            <a:ext cx="1558800" cy="1595086"/>
+            <a:off x="2913017" y="2318486"/>
+            <a:ext cx="1551503" cy="1552388"/>
           </a:xfrm>
           <a:prstGeom prst="flowChartProcess">
             <a:avLst/>
@@ -3297,8 +3297,8 @@
         </p:nvSpPr>
         <p:spPr>
           <a:xfrm>
-            <a:off x="4739760" y="1927078"/>
-            <a:ext cx="1558800" cy="1595086"/>
+            <a:off x="4694130" y="2318486"/>
+            <a:ext cx="1551503" cy="1552388"/>
           </a:xfrm>
           <a:prstGeom prst="flowChartProcess">
             <a:avLst/>
@@ -3358,8 +3358,8 @@
         </p:nvSpPr>
         <p:spPr>
           <a:xfrm>
-            <a:off x="1160780" y="1927078"/>
-            <a:ext cx="1558800" cy="1595086"/>
+            <a:off x="1131904" y="2318486"/>
+            <a:ext cx="1551503" cy="1552388"/>
           </a:xfrm>
           <a:prstGeom prst="flowChartProcess">
             <a:avLst/>
@@ -3418,8 +3418,8 @@
         </p:nvCxnSpPr>
         <p:spPr>
           <a:xfrm flipV="1">
-            <a:off x="4175216" y="2724621"/>
-            <a:ext cx="564544" cy="1793483"/>
+            <a:off x="4132229" y="3094681"/>
+            <a:ext cx="561901" cy="1745474"/>
           </a:xfrm>
           <a:prstGeom prst="bentConnector3">
             <a:avLst>
@@ -3459,8 +3459,8 @@
         </p:nvCxnSpPr>
         <p:spPr>
           <a:xfrm rot="5400000">
-            <a:off x="2907274" y="3282888"/>
-            <a:ext cx="583120" cy="1061672"/>
+            <a:off x="2876662" y="3626280"/>
+            <a:ext cx="567511" cy="1056703"/>
           </a:xfrm>
           <a:prstGeom prst="bentConnector3">
             <a:avLst>
@@ -3500,8 +3500,8 @@
         </p:nvCxnSpPr>
         <p:spPr>
           <a:xfrm rot="16200000" flipH="1">
-            <a:off x="2012529" y="3449815"/>
-            <a:ext cx="583120" cy="727818"/>
+            <a:off x="1986106" y="3792426"/>
+            <a:ext cx="567511" cy="724410"/>
           </a:xfrm>
           <a:prstGeom prst="bentConnector3">
             <a:avLst>
@@ -3538,8 +3538,8 @@
         </p:nvGrpSpPr>
         <p:grpSpPr>
           <a:xfrm>
-            <a:off x="6534693" y="1923123"/>
-            <a:ext cx="1558800" cy="3003846"/>
+            <a:off x="6480660" y="2314638"/>
+            <a:ext cx="1551503" cy="2923438"/>
             <a:chOff x="5873660" y="1923123"/>
             <a:chExt cx="1558800" cy="3003846"/>
           </a:xfrm>
@@ -3820,8 +3820,8 @@
         </p:nvSpPr>
         <p:spPr>
           <a:xfrm>
-            <a:off x="4739760" y="5719182"/>
-            <a:ext cx="1558798" cy="701040"/>
+            <a:off x="4694130" y="6009083"/>
+            <a:ext cx="1551501" cy="682274"/>
           </a:xfrm>
           <a:prstGeom prst="flowChartMagneticDisk">
             <a:avLst/>
@@ -3869,8 +3869,8 @@
         </p:nvGrpSpPr>
         <p:grpSpPr>
           <a:xfrm>
-            <a:off x="8570029" y="2317846"/>
-            <a:ext cx="2808448" cy="3419986"/>
+            <a:off x="8506468" y="2698794"/>
+            <a:ext cx="2795301" cy="3328439"/>
             <a:chOff x="8570029" y="2317846"/>
             <a:chExt cx="2808448" cy="3419986"/>
           </a:xfrm>
@@ -4267,10 +4267,149 @@
           </p:txBody>
         </p:sp>
       </p:grpSp>
+      <p:sp>
+        <p:nvSpPr>
+          <p:cNvPr id="36" name="순서도: 처리 35"/>
+          <p:cNvSpPr/>
+          <p:nvPr/>
+        </p:nvSpPr>
+        <p:spPr>
+          <a:xfrm>
+            <a:off x="890232" y="193013"/>
+            <a:ext cx="7429087" cy="1239042"/>
+          </a:xfrm>
+          <a:prstGeom prst="flowChartProcess">
+            <a:avLst/>
+          </a:prstGeom>
+          <a:noFill/>
+          <a:ln w="3175"/>
+        </p:spPr>
+        <p:style>
+          <a:lnRef idx="2">
+            <a:schemeClr val="dk1"/>
+          </a:lnRef>
+          <a:fillRef idx="1">
+            <a:schemeClr val="lt1"/>
+          </a:fillRef>
+          <a:effectRef idx="0">
+            <a:schemeClr val="dk1"/>
+          </a:effectRef>
+          <a:fontRef idx="minor">
+            <a:schemeClr val="dk1"/>
+          </a:fontRef>
+        </p:style>
+        <p:txBody>
+          <a:bodyPr rot="0" spcFirstLastPara="0" vertOverflow="overflow" horzOverflow="overflow" vert="horz" wrap="square" lIns="91440" tIns="45721" rIns="91440" bIns="45721" numCol="1" spcCol="0" rtlCol="0" fromWordArt="0" anchor="t" anchorCtr="0" forceAA="0" compatLnSpc="1">
+            <a:prstTxWarp prst="textNoShape">
+              <a:avLst/>
+            </a:prstTxWarp>
+            <a:noAutofit/>
+          </a:bodyPr>
+          <a:lstStyle/>
+          <a:p>
+            <a:r>
+              <a:rPr lang="ko-KR" altLang="en-US" dirty="0" smtClean="0"/>
+              <a:t>오라클 </a:t>
+            </a:r>
+            <a:r>
+              <a:rPr lang="en-US" altLang="ko-KR" dirty="0" smtClean="0"/>
+              <a:t>DBMS</a:t>
+            </a:r>
+            <a:endParaRPr lang="ko-KR" altLang="en-US" dirty="0"/>
+          </a:p>
+        </p:txBody>
+      </p:sp>
+      <p:sp>
+        <p:nvSpPr>
+          <p:cNvPr id="37" name="순서도: 처리 36"/>
+          <p:cNvSpPr/>
+          <p:nvPr/>
+        </p:nvSpPr>
+        <p:spPr>
+          <a:xfrm>
+            <a:off x="1154647" y="731866"/>
+            <a:ext cx="6900258" cy="458859"/>
+          </a:xfrm>
+          <a:prstGeom prst="flowChartProcess">
+            <a:avLst/>
+          </a:prstGeom>
+          <a:noFill/>
+          <a:ln w="3175"/>
+        </p:spPr>
+        <p:style>
+          <a:lnRef idx="2">
+            <a:schemeClr val="dk1"/>
+          </a:lnRef>
+          <a:fillRef idx="1">
+            <a:schemeClr val="lt1"/>
+          </a:fillRef>
+          <a:effectRef idx="0">
+            <a:schemeClr val="dk1"/>
+          </a:effectRef>
+          <a:fontRef idx="minor">
+            <a:schemeClr val="dk1"/>
+          </a:fontRef>
+        </p:style>
+        <p:txBody>
+          <a:bodyPr rot="0" spcFirstLastPara="0" vertOverflow="overflow" horzOverflow="overflow" vert="horz" wrap="square" lIns="91440" tIns="45721" rIns="91440" bIns="45721" numCol="1" spcCol="0" rtlCol="0" fromWordArt="0" anchor="t" anchorCtr="0" forceAA="0" compatLnSpc="1">
+            <a:prstTxWarp prst="textNoShape">
+              <a:avLst/>
+            </a:prstTxWarp>
+            <a:noAutofit/>
+          </a:bodyPr>
+          <a:lstStyle/>
+          <a:p>
+            <a:pPr lvl="0"/>
+            <a:r>
+              <a:rPr lang="ko-KR" altLang="en-US" sz="1200" dirty="0" err="1" smtClean="0"/>
+              <a:t>공유메모리</a:t>
+            </a:r>
+            <a:endParaRPr lang="en-US" altLang="ko-KR" sz="1200" dirty="0" smtClean="0"/>
+          </a:p>
+        </p:txBody>
+      </p:sp>
+      <p:cxnSp>
+        <p:nvCxnSpPr>
+          <p:cNvPr id="40" name="꺾인 연결선 78"/>
+          <p:cNvCxnSpPr>
+            <a:endCxn id="69" idx="0"/>
+          </p:cNvCxnSpPr>
+          <p:nvPr/>
+        </p:nvCxnSpPr>
+        <p:spPr>
+          <a:xfrm>
+            <a:off x="3688769" y="1190725"/>
+            <a:ext cx="0" cy="1127761"/>
+          </a:xfrm>
+          <a:prstGeom prst="straightConnector1">
+            <a:avLst/>
+          </a:prstGeom>
+          <a:ln w="3175">
+            <a:solidFill>
+              <a:schemeClr val="tx1"/>
+            </a:solidFill>
+            <a:tailEnd type="triangle"/>
+          </a:ln>
+        </p:spPr>
+        <p:style>
+          <a:lnRef idx="1">
+            <a:schemeClr val="accent1"/>
+          </a:lnRef>
+          <a:fillRef idx="0">
+            <a:schemeClr val="accent1"/>
+          </a:fillRef>
+          <a:effectRef idx="0">
+            <a:schemeClr val="accent1"/>
+          </a:effectRef>
+          <a:fontRef idx="minor">
+            <a:schemeClr val="tx1"/>
+          </a:fontRef>
+        </p:style>
+      </p:cxnSp>
     </p:spTree>
     <p:extLst>
       <p:ext uri="{BB962C8B-B14F-4D97-AF65-F5344CB8AC3E}">
-        <p14:creationId xmlns:p14="http://schemas.microsoft.com/office/powerpoint/2010/main" val="1345009798"/>
+        <p14:creationId xmlns:p14="http://schemas.microsoft.com/office/powerpoint/2010/main" val="983966157"/>
       </p:ext>
     </p:extLst>
   </p:cSld>
